--- a/Seccion 1 Introducción al espacio multivariante/Diapositivas/1.3 Boxplot .pptx
+++ b/Seccion 1 Introducción al espacio multivariante/Diapositivas/1.3 Boxplot .pptx
@@ -275,7 +275,7 @@
             <a:fld id="{B61BEF0D-F0BB-DE4B-95CE-6DB70DBA9567}" type="datetimeFigureOut">
               <a:rPr lang="en-US" smtClean="0"/>
               <a:pPr/>
-              <a:t>12/11/2019</a:t>
+              <a:t>12/20/2019</a:t>
             </a:fld>
             <a:endParaRPr lang="en-US" dirty="0"/>
           </a:p>
@@ -474,7 +474,7 @@
           <a:p>
             <a:fld id="{55C6B4A9-1611-4792-9094-5F34BCA07E0B}" type="datetimeFigureOut">
               <a:rPr lang="en-US" smtClean="0"/>
-              <a:t>12/11/2019</a:t>
+              <a:t>12/20/2019</a:t>
             </a:fld>
             <a:endParaRPr lang="en-US" dirty="0"/>
           </a:p>
@@ -683,7 +683,7 @@
             <a:fld id="{B61BEF0D-F0BB-DE4B-95CE-6DB70DBA9567}" type="datetimeFigureOut">
               <a:rPr lang="en-US" smtClean="0"/>
               <a:pPr/>
-              <a:t>12/11/2019</a:t>
+              <a:t>12/20/2019</a:t>
             </a:fld>
             <a:endParaRPr lang="en-US" dirty="0"/>
           </a:p>
@@ -1503,7 +1503,7 @@
             <a:fld id="{B61BEF0D-F0BB-DE4B-95CE-6DB70DBA9567}" type="datetimeFigureOut">
               <a:rPr lang="en-US" smtClean="0"/>
               <a:pPr/>
-              <a:t>12/11/2019</a:t>
+              <a:t>12/20/2019</a:t>
             </a:fld>
             <a:endParaRPr lang="en-US" dirty="0"/>
           </a:p>
@@ -1675,7 +1675,7 @@
             <a:fld id="{B61BEF0D-F0BB-DE4B-95CE-6DB70DBA9567}" type="datetimeFigureOut">
               <a:rPr lang="en-US" smtClean="0"/>
               <a:pPr/>
-              <a:t>12/11/2019</a:t>
+              <a:t>12/20/2019</a:t>
             </a:fld>
             <a:endParaRPr lang="en-US" dirty="0"/>
           </a:p>
@@ -1924,7 +1924,7 @@
             <a:fld id="{B61BEF0D-F0BB-DE4B-95CE-6DB70DBA9567}" type="datetimeFigureOut">
               <a:rPr lang="en-US" smtClean="0"/>
               <a:pPr/>
-              <a:t>12/11/2019</a:t>
+              <a:t>12/20/2019</a:t>
             </a:fld>
             <a:endParaRPr lang="en-US" dirty="0"/>
           </a:p>
@@ -2157,7 +2157,7 @@
           <a:p>
             <a:fld id="{EB712588-04B1-427B-82EE-E8DB90309F08}" type="datetimeFigureOut">
               <a:rPr lang="en-US" smtClean="0"/>
-              <a:t>12/11/2019</a:t>
+              <a:t>12/20/2019</a:t>
             </a:fld>
             <a:endParaRPr lang="en-US" dirty="0"/>
           </a:p>
@@ -2532,7 +2532,7 @@
             <a:fld id="{B61BEF0D-F0BB-DE4B-95CE-6DB70DBA9567}" type="datetimeFigureOut">
               <a:rPr lang="en-US" smtClean="0"/>
               <a:pPr/>
-              <a:t>12/11/2019</a:t>
+              <a:t>12/20/2019</a:t>
             </a:fld>
             <a:endParaRPr lang="en-US" dirty="0"/>
           </a:p>
@@ -2657,7 +2657,7 @@
             <a:fld id="{B61BEF0D-F0BB-DE4B-95CE-6DB70DBA9567}" type="datetimeFigureOut">
               <a:rPr lang="en-US" smtClean="0"/>
               <a:pPr/>
-              <a:t>12/11/2019</a:t>
+              <a:t>12/20/2019</a:t>
             </a:fld>
             <a:endParaRPr lang="en-US" dirty="0"/>
           </a:p>
@@ -2754,7 +2754,7 @@
             <a:fld id="{B61BEF0D-F0BB-DE4B-95CE-6DB70DBA9567}" type="datetimeFigureOut">
               <a:rPr lang="en-US" smtClean="0"/>
               <a:pPr/>
-              <a:t>12/11/2019</a:t>
+              <a:t>12/20/2019</a:t>
             </a:fld>
             <a:endParaRPr lang="en-US" dirty="0"/>
           </a:p>
@@ -3010,7 +3010,7 @@
           <a:p>
             <a:fld id="{42A54C80-263E-416B-A8E0-580EDEADCBDC}" type="datetimeFigureOut">
               <a:rPr lang="en-US" smtClean="0"/>
-              <a:t>12/11/2019</a:t>
+              <a:t>12/20/2019</a:t>
             </a:fld>
             <a:endParaRPr lang="en-US" dirty="0"/>
           </a:p>
@@ -3197,7 +3197,7 @@
             <a:fld id="{B61BEF0D-F0BB-DE4B-95CE-6DB70DBA9567}" type="datetimeFigureOut">
               <a:rPr lang="en-US" smtClean="0"/>
               <a:pPr/>
-              <a:t>12/11/2019</a:t>
+              <a:t>12/20/2019</a:t>
             </a:fld>
             <a:endParaRPr lang="en-US" dirty="0"/>
           </a:p>
@@ -3517,7 +3517,7 @@
             <a:fld id="{B61BEF0D-F0BB-DE4B-95CE-6DB70DBA9567}" type="datetimeFigureOut">
               <a:rPr lang="en-US" smtClean="0"/>
               <a:pPr/>
-              <a:t>12/11/2019</a:t>
+              <a:t>12/20/2019</a:t>
             </a:fld>
             <a:endParaRPr lang="en-US" dirty="0"/>
           </a:p>
@@ -3727,7 +3727,7 @@
             <a:fld id="{B61BEF0D-F0BB-DE4B-95CE-6DB70DBA9567}" type="datetimeFigureOut">
               <a:rPr lang="en-US" smtClean="0"/>
               <a:pPr/>
-              <a:t>12/11/2019</a:t>
+              <a:t>12/20/2019</a:t>
             </a:fld>
             <a:endParaRPr lang="en-US" dirty="0"/>
           </a:p>
@@ -4043,7 +4043,7 @@
             <a:fld id="{B61BEF0D-F0BB-DE4B-95CE-6DB70DBA9567}" type="datetimeFigureOut">
               <a:rPr lang="en-US" smtClean="0"/>
               <a:pPr/>
-              <a:t>12/11/2019</a:t>
+              <a:t>12/20/2019</a:t>
             </a:fld>
             <a:endParaRPr lang="en-US" dirty="0"/>
           </a:p>
@@ -4378,7 +4378,7 @@
             <a:fld id="{B61BEF0D-F0BB-DE4B-95CE-6DB70DBA9567}" type="datetimeFigureOut">
               <a:rPr lang="en-US" smtClean="0"/>
               <a:pPr/>
-              <a:t>12/11/2019</a:t>
+              <a:t>12/20/2019</a:t>
             </a:fld>
             <a:endParaRPr lang="en-US" dirty="0"/>
           </a:p>
@@ -4694,7 +4694,7 @@
             <a:fld id="{B61BEF0D-F0BB-DE4B-95CE-6DB70DBA9567}" type="datetimeFigureOut">
               <a:rPr lang="en-US" smtClean="0"/>
               <a:pPr/>
-              <a:t>12/11/2019</a:t>
+              <a:t>12/20/2019</a:t>
             </a:fld>
             <a:endParaRPr lang="en-US" dirty="0"/>
           </a:p>
@@ -5089,7 +5089,7 @@
             <a:fld id="{B61BEF0D-F0BB-DE4B-95CE-6DB70DBA9567}" type="datetimeFigureOut">
               <a:rPr lang="en-US" smtClean="0"/>
               <a:pPr/>
-              <a:t>12/11/2019</a:t>
+              <a:t>12/20/2019</a:t>
             </a:fld>
             <a:endParaRPr lang="en-US" dirty="0"/>
           </a:p>
@@ -5260,7 +5260,7 @@
           <a:p>
             <a:fld id="{55C6B4A9-1611-4792-9094-5F34BCA07E0B}" type="datetimeFigureOut">
               <a:rPr lang="en-US" smtClean="0"/>
-              <a:t>12/11/2019</a:t>
+              <a:t>12/20/2019</a:t>
             </a:fld>
             <a:endParaRPr lang="en-US" dirty="0"/>
           </a:p>
@@ -5441,7 +5441,7 @@
             <a:fld id="{B61BEF0D-F0BB-DE4B-95CE-6DB70DBA9567}" type="datetimeFigureOut">
               <a:rPr lang="en-US" smtClean="0"/>
               <a:pPr/>
-              <a:t>12/11/2019</a:t>
+              <a:t>12/20/2019</a:t>
             </a:fld>
             <a:endParaRPr lang="en-US" dirty="0"/>
           </a:p>
@@ -5706,7 +5706,7 @@
             <a:fld id="{B61BEF0D-F0BB-DE4B-95CE-6DB70DBA9567}" type="datetimeFigureOut">
               <a:rPr lang="en-US" smtClean="0"/>
               <a:pPr/>
-              <a:t>12/11/2019</a:t>
+              <a:t>12/20/2019</a:t>
             </a:fld>
             <a:endParaRPr lang="en-US" dirty="0"/>
           </a:p>
@@ -5972,7 +5972,7 @@
           <a:p>
             <a:fld id="{EB712588-04B1-427B-82EE-E8DB90309F08}" type="datetimeFigureOut">
               <a:rPr lang="en-US" smtClean="0"/>
-              <a:t>12/11/2019</a:t>
+              <a:t>12/20/2019</a:t>
             </a:fld>
             <a:endParaRPr lang="en-US" dirty="0"/>
           </a:p>
@@ -6385,7 +6385,7 @@
             <a:fld id="{B61BEF0D-F0BB-DE4B-95CE-6DB70DBA9567}" type="datetimeFigureOut">
               <a:rPr lang="en-US" smtClean="0"/>
               <a:pPr/>
-              <a:t>12/11/2019</a:t>
+              <a:t>12/20/2019</a:t>
             </a:fld>
             <a:endParaRPr lang="en-US" dirty="0"/>
           </a:p>
@@ -6528,7 +6528,7 @@
             <a:fld id="{B61BEF0D-F0BB-DE4B-95CE-6DB70DBA9567}" type="datetimeFigureOut">
               <a:rPr lang="en-US" smtClean="0"/>
               <a:pPr/>
-              <a:t>12/11/2019</a:t>
+              <a:t>12/20/2019</a:t>
             </a:fld>
             <a:endParaRPr lang="en-US" dirty="0"/>
           </a:p>
@@ -6643,7 +6643,7 @@
             <a:fld id="{B61BEF0D-F0BB-DE4B-95CE-6DB70DBA9567}" type="datetimeFigureOut">
               <a:rPr lang="en-US" smtClean="0"/>
               <a:pPr/>
-              <a:t>12/11/2019</a:t>
+              <a:t>12/20/2019</a:t>
             </a:fld>
             <a:endParaRPr lang="en-US" dirty="0"/>
           </a:p>
@@ -6955,7 +6955,7 @@
           <a:p>
             <a:fld id="{42A54C80-263E-416B-A8E0-580EDEADCBDC}" type="datetimeFigureOut">
               <a:rPr lang="en-US" smtClean="0"/>
-              <a:t>12/11/2019</a:t>
+              <a:t>12/20/2019</a:t>
             </a:fld>
             <a:endParaRPr lang="en-US" dirty="0"/>
           </a:p>
@@ -7244,7 +7244,7 @@
             <a:fld id="{B61BEF0D-F0BB-DE4B-95CE-6DB70DBA9567}" type="datetimeFigureOut">
               <a:rPr lang="en-US" smtClean="0"/>
               <a:pPr/>
-              <a:t>12/11/2019</a:t>
+              <a:t>12/20/2019</a:t>
             </a:fld>
             <a:endParaRPr lang="en-US" dirty="0"/>
           </a:p>
@@ -7487,7 +7487,7 @@
             <a:fld id="{B61BEF0D-F0BB-DE4B-95CE-6DB70DBA9567}" type="datetimeFigureOut">
               <a:rPr lang="en-US" smtClean="0"/>
               <a:pPr/>
-              <a:t>12/11/2019</a:t>
+              <a:t>12/20/2019</a:t>
             </a:fld>
             <a:endParaRPr lang="en-US" dirty="0"/>
           </a:p>
@@ -8572,7 +8572,7 @@
             <a:fld id="{B61BEF0D-F0BB-DE4B-95CE-6DB70DBA9567}" type="datetimeFigureOut">
               <a:rPr lang="en-US" smtClean="0"/>
               <a:pPr/>
-              <a:t>12/11/2019</a:t>
+              <a:t>12/20/2019</a:t>
             </a:fld>
             <a:endParaRPr lang="en-US" dirty="0"/>
           </a:p>
@@ -12508,8 +12508,8 @@
                     </m:r>
                     <m:d>
                       <m:dPr>
-                        <m:begChr m:val="{"/>
-                        <m:endChr m:val="}"/>
+                        <m:begChr m:val="["/>
+                        <m:endChr m:val="]"/>
                         <m:ctrlPr>
                           <a:rPr lang="es-ES" b="0" i="1" smtClean="0">
                             <a:solidFill>
@@ -13134,13 +13134,6 @@
                   </a:solidFill>
                 </a:endParaRPr>
               </a:p>
-              <a:p>
-                <a:endParaRPr lang="es-ES" dirty="0">
-                  <a:solidFill>
-                    <a:schemeClr val="bg1"/>
-                  </a:solidFill>
-                </a:endParaRPr>
-              </a:p>
             </p:txBody>
           </p:sp>
         </mc:Choice>
@@ -13444,8 +13437,8 @@
           </a:fontRef>
         </p:style>
       </p:sp>
-      <mc:AlternateContent xmlns:mc="http://schemas.openxmlformats.org/markup-compatibility/2006">
-        <mc:Choice xmlns:a14="http://schemas.microsoft.com/office/drawing/2010/main" Requires="a14">
+      <mc:AlternateContent xmlns:mc="http://schemas.openxmlformats.org/markup-compatibility/2006" xmlns:a14="http://schemas.microsoft.com/office/drawing/2010/main">
+        <mc:Choice Requires="a14">
           <p:sp>
             <p:nvSpPr>
               <p:cNvPr id="3" name="Marcador de contenido 2">
@@ -13773,16 +13766,7 @@
                                   </a:solidFill>
                                   <a:latin typeface="Cambria Math" panose="02040503050406030204" pitchFamily="18" charset="0"/>
                                 </a:rPr>
-                                <m:t>                       </m:t>
-                              </m:r>
-                              <m:r>
-                                <a:rPr lang="es-ES" b="0" i="1" smtClean="0">
-                                  <a:solidFill>
-                                    <a:schemeClr val="bg1"/>
-                                  </a:solidFill>
-                                  <a:latin typeface="Cambria Math" panose="02040503050406030204" pitchFamily="18" charset="0"/>
-                                </a:rPr>
-                                <m:t>,</m:t>
+                                <m:t>                       ,</m:t>
                               </m:r>
                               <m:r>
                                 <a:rPr lang="es-ES" b="0" i="1" smtClean="0">
@@ -14054,16 +14038,7 @@
                                   </a:solidFill>
                                   <a:latin typeface="Cambria Math" panose="02040503050406030204" pitchFamily="18" charset="0"/>
                                 </a:rPr>
-                                <m:t>          </m:t>
-                              </m:r>
-                              <m:r>
-                                <a:rPr lang="es-ES" b="0" i="1" smtClean="0">
-                                  <a:solidFill>
-                                    <a:schemeClr val="bg1"/>
-                                  </a:solidFill>
-                                  <a:latin typeface="Cambria Math" panose="02040503050406030204" pitchFamily="18" charset="0"/>
-                                </a:rPr>
-                                <m:t>,</m:t>
+                                <m:t>          ,</m:t>
                               </m:r>
                               <m:r>
                                 <a:rPr lang="es-ES" b="0" i="1" smtClean="0">
@@ -14164,7 +14139,7 @@
             </p:txBody>
           </p:sp>
         </mc:Choice>
-        <mc:Fallback>
+        <mc:Fallback xmlns="">
           <p:sp>
             <p:nvSpPr>
               <p:cNvPr id="3" name="Marcador de contenido 2">
@@ -14464,8 +14439,8 @@
           </a:fontRef>
         </p:style>
       </p:sp>
-      <mc:AlternateContent xmlns:mc="http://schemas.openxmlformats.org/markup-compatibility/2006">
-        <mc:Choice xmlns:a14="http://schemas.microsoft.com/office/drawing/2010/main" Requires="a14">
+      <mc:AlternateContent xmlns:mc="http://schemas.openxmlformats.org/markup-compatibility/2006" xmlns:a14="http://schemas.microsoft.com/office/drawing/2010/main">
+        <mc:Choice Requires="a14">
           <p:sp>
             <p:nvSpPr>
               <p:cNvPr id="3" name="Marcador de contenido 2">
@@ -15067,7 +15042,7 @@
             </p:txBody>
           </p:sp>
         </mc:Choice>
-        <mc:Fallback>
+        <mc:Fallback xmlns="">
           <p:sp>
             <p:nvSpPr>
               <p:cNvPr id="3" name="Marcador de contenido 2">

--- a/Seccion 1 Introducción al espacio multivariante/Diapositivas/1.3 Boxplot .pptx
+++ b/Seccion 1 Introducción al espacio multivariante/Diapositivas/1.3 Boxplot .pptx
@@ -275,7 +275,7 @@
             <a:fld id="{B61BEF0D-F0BB-DE4B-95CE-6DB70DBA9567}" type="datetimeFigureOut">
               <a:rPr lang="en-US" smtClean="0"/>
               <a:pPr/>
-              <a:t>12/20/2019</a:t>
+              <a:t>3/18/2020</a:t>
             </a:fld>
             <a:endParaRPr lang="en-US" dirty="0"/>
           </a:p>
@@ -474,7 +474,7 @@
           <a:p>
             <a:fld id="{55C6B4A9-1611-4792-9094-5F34BCA07E0B}" type="datetimeFigureOut">
               <a:rPr lang="en-US" smtClean="0"/>
-              <a:t>12/20/2019</a:t>
+              <a:t>3/18/2020</a:t>
             </a:fld>
             <a:endParaRPr lang="en-US" dirty="0"/>
           </a:p>
@@ -683,7 +683,7 @@
             <a:fld id="{B61BEF0D-F0BB-DE4B-95CE-6DB70DBA9567}" type="datetimeFigureOut">
               <a:rPr lang="en-US" smtClean="0"/>
               <a:pPr/>
-              <a:t>12/20/2019</a:t>
+              <a:t>3/18/2020</a:t>
             </a:fld>
             <a:endParaRPr lang="en-US" dirty="0"/>
           </a:p>
@@ -1503,7 +1503,7 @@
             <a:fld id="{B61BEF0D-F0BB-DE4B-95CE-6DB70DBA9567}" type="datetimeFigureOut">
               <a:rPr lang="en-US" smtClean="0"/>
               <a:pPr/>
-              <a:t>12/20/2019</a:t>
+              <a:t>3/18/2020</a:t>
             </a:fld>
             <a:endParaRPr lang="en-US" dirty="0"/>
           </a:p>
@@ -1675,7 +1675,7 @@
             <a:fld id="{B61BEF0D-F0BB-DE4B-95CE-6DB70DBA9567}" type="datetimeFigureOut">
               <a:rPr lang="en-US" smtClean="0"/>
               <a:pPr/>
-              <a:t>12/20/2019</a:t>
+              <a:t>3/18/2020</a:t>
             </a:fld>
             <a:endParaRPr lang="en-US" dirty="0"/>
           </a:p>
@@ -1924,7 +1924,7 @@
             <a:fld id="{B61BEF0D-F0BB-DE4B-95CE-6DB70DBA9567}" type="datetimeFigureOut">
               <a:rPr lang="en-US" smtClean="0"/>
               <a:pPr/>
-              <a:t>12/20/2019</a:t>
+              <a:t>3/18/2020</a:t>
             </a:fld>
             <a:endParaRPr lang="en-US" dirty="0"/>
           </a:p>
@@ -2157,7 +2157,7 @@
           <a:p>
             <a:fld id="{EB712588-04B1-427B-82EE-E8DB90309F08}" type="datetimeFigureOut">
               <a:rPr lang="en-US" smtClean="0"/>
-              <a:t>12/20/2019</a:t>
+              <a:t>3/18/2020</a:t>
             </a:fld>
             <a:endParaRPr lang="en-US" dirty="0"/>
           </a:p>
@@ -2532,7 +2532,7 @@
             <a:fld id="{B61BEF0D-F0BB-DE4B-95CE-6DB70DBA9567}" type="datetimeFigureOut">
               <a:rPr lang="en-US" smtClean="0"/>
               <a:pPr/>
-              <a:t>12/20/2019</a:t>
+              <a:t>3/18/2020</a:t>
             </a:fld>
             <a:endParaRPr lang="en-US" dirty="0"/>
           </a:p>
@@ -2657,7 +2657,7 @@
             <a:fld id="{B61BEF0D-F0BB-DE4B-95CE-6DB70DBA9567}" type="datetimeFigureOut">
               <a:rPr lang="en-US" smtClean="0"/>
               <a:pPr/>
-              <a:t>12/20/2019</a:t>
+              <a:t>3/18/2020</a:t>
             </a:fld>
             <a:endParaRPr lang="en-US" dirty="0"/>
           </a:p>
@@ -2754,7 +2754,7 @@
             <a:fld id="{B61BEF0D-F0BB-DE4B-95CE-6DB70DBA9567}" type="datetimeFigureOut">
               <a:rPr lang="en-US" smtClean="0"/>
               <a:pPr/>
-              <a:t>12/20/2019</a:t>
+              <a:t>3/18/2020</a:t>
             </a:fld>
             <a:endParaRPr lang="en-US" dirty="0"/>
           </a:p>
@@ -3010,7 +3010,7 @@
           <a:p>
             <a:fld id="{42A54C80-263E-416B-A8E0-580EDEADCBDC}" type="datetimeFigureOut">
               <a:rPr lang="en-US" smtClean="0"/>
-              <a:t>12/20/2019</a:t>
+              <a:t>3/18/2020</a:t>
             </a:fld>
             <a:endParaRPr lang="en-US" dirty="0"/>
           </a:p>
@@ -3197,7 +3197,7 @@
             <a:fld id="{B61BEF0D-F0BB-DE4B-95CE-6DB70DBA9567}" type="datetimeFigureOut">
               <a:rPr lang="en-US" smtClean="0"/>
               <a:pPr/>
-              <a:t>12/20/2019</a:t>
+              <a:t>3/18/2020</a:t>
             </a:fld>
             <a:endParaRPr lang="en-US" dirty="0"/>
           </a:p>
@@ -3517,7 +3517,7 @@
             <a:fld id="{B61BEF0D-F0BB-DE4B-95CE-6DB70DBA9567}" type="datetimeFigureOut">
               <a:rPr lang="en-US" smtClean="0"/>
               <a:pPr/>
-              <a:t>12/20/2019</a:t>
+              <a:t>3/18/2020</a:t>
             </a:fld>
             <a:endParaRPr lang="en-US" dirty="0"/>
           </a:p>
@@ -3727,7 +3727,7 @@
             <a:fld id="{B61BEF0D-F0BB-DE4B-95CE-6DB70DBA9567}" type="datetimeFigureOut">
               <a:rPr lang="en-US" smtClean="0"/>
               <a:pPr/>
-              <a:t>12/20/2019</a:t>
+              <a:t>3/18/2020</a:t>
             </a:fld>
             <a:endParaRPr lang="en-US" dirty="0"/>
           </a:p>
@@ -4043,7 +4043,7 @@
             <a:fld id="{B61BEF0D-F0BB-DE4B-95CE-6DB70DBA9567}" type="datetimeFigureOut">
               <a:rPr lang="en-US" smtClean="0"/>
               <a:pPr/>
-              <a:t>12/20/2019</a:t>
+              <a:t>3/18/2020</a:t>
             </a:fld>
             <a:endParaRPr lang="en-US" dirty="0"/>
           </a:p>
@@ -4378,7 +4378,7 @@
             <a:fld id="{B61BEF0D-F0BB-DE4B-95CE-6DB70DBA9567}" type="datetimeFigureOut">
               <a:rPr lang="en-US" smtClean="0"/>
               <a:pPr/>
-              <a:t>12/20/2019</a:t>
+              <a:t>3/18/2020</a:t>
             </a:fld>
             <a:endParaRPr lang="en-US" dirty="0"/>
           </a:p>
@@ -4694,7 +4694,7 @@
             <a:fld id="{B61BEF0D-F0BB-DE4B-95CE-6DB70DBA9567}" type="datetimeFigureOut">
               <a:rPr lang="en-US" smtClean="0"/>
               <a:pPr/>
-              <a:t>12/20/2019</a:t>
+              <a:t>3/18/2020</a:t>
             </a:fld>
             <a:endParaRPr lang="en-US" dirty="0"/>
           </a:p>
@@ -5089,7 +5089,7 @@
             <a:fld id="{B61BEF0D-F0BB-DE4B-95CE-6DB70DBA9567}" type="datetimeFigureOut">
               <a:rPr lang="en-US" smtClean="0"/>
               <a:pPr/>
-              <a:t>12/20/2019</a:t>
+              <a:t>3/18/2020</a:t>
             </a:fld>
             <a:endParaRPr lang="en-US" dirty="0"/>
           </a:p>
@@ -5260,7 +5260,7 @@
           <a:p>
             <a:fld id="{55C6B4A9-1611-4792-9094-5F34BCA07E0B}" type="datetimeFigureOut">
               <a:rPr lang="en-US" smtClean="0"/>
-              <a:t>12/20/2019</a:t>
+              <a:t>3/18/2020</a:t>
             </a:fld>
             <a:endParaRPr lang="en-US" dirty="0"/>
           </a:p>
@@ -5441,7 +5441,7 @@
             <a:fld id="{B61BEF0D-F0BB-DE4B-95CE-6DB70DBA9567}" type="datetimeFigureOut">
               <a:rPr lang="en-US" smtClean="0"/>
               <a:pPr/>
-              <a:t>12/20/2019</a:t>
+              <a:t>3/18/2020</a:t>
             </a:fld>
             <a:endParaRPr lang="en-US" dirty="0"/>
           </a:p>
@@ -5706,7 +5706,7 @@
             <a:fld id="{B61BEF0D-F0BB-DE4B-95CE-6DB70DBA9567}" type="datetimeFigureOut">
               <a:rPr lang="en-US" smtClean="0"/>
               <a:pPr/>
-              <a:t>12/20/2019</a:t>
+              <a:t>3/18/2020</a:t>
             </a:fld>
             <a:endParaRPr lang="en-US" dirty="0"/>
           </a:p>
@@ -5972,7 +5972,7 @@
           <a:p>
             <a:fld id="{EB712588-04B1-427B-82EE-E8DB90309F08}" type="datetimeFigureOut">
               <a:rPr lang="en-US" smtClean="0"/>
-              <a:t>12/20/2019</a:t>
+              <a:t>3/18/2020</a:t>
             </a:fld>
             <a:endParaRPr lang="en-US" dirty="0"/>
           </a:p>
@@ -6385,7 +6385,7 @@
             <a:fld id="{B61BEF0D-F0BB-DE4B-95CE-6DB70DBA9567}" type="datetimeFigureOut">
               <a:rPr lang="en-US" smtClean="0"/>
               <a:pPr/>
-              <a:t>12/20/2019</a:t>
+              <a:t>3/18/2020</a:t>
             </a:fld>
             <a:endParaRPr lang="en-US" dirty="0"/>
           </a:p>
@@ -6528,7 +6528,7 @@
             <a:fld id="{B61BEF0D-F0BB-DE4B-95CE-6DB70DBA9567}" type="datetimeFigureOut">
               <a:rPr lang="en-US" smtClean="0"/>
               <a:pPr/>
-              <a:t>12/20/2019</a:t>
+              <a:t>3/18/2020</a:t>
             </a:fld>
             <a:endParaRPr lang="en-US" dirty="0"/>
           </a:p>
@@ -6643,7 +6643,7 @@
             <a:fld id="{B61BEF0D-F0BB-DE4B-95CE-6DB70DBA9567}" type="datetimeFigureOut">
               <a:rPr lang="en-US" smtClean="0"/>
               <a:pPr/>
-              <a:t>12/20/2019</a:t>
+              <a:t>3/18/2020</a:t>
             </a:fld>
             <a:endParaRPr lang="en-US" dirty="0"/>
           </a:p>
@@ -6955,7 +6955,7 @@
           <a:p>
             <a:fld id="{42A54C80-263E-416B-A8E0-580EDEADCBDC}" type="datetimeFigureOut">
               <a:rPr lang="en-US" smtClean="0"/>
-              <a:t>12/20/2019</a:t>
+              <a:t>3/18/2020</a:t>
             </a:fld>
             <a:endParaRPr lang="en-US" dirty="0"/>
           </a:p>
@@ -7244,7 +7244,7 @@
             <a:fld id="{B61BEF0D-F0BB-DE4B-95CE-6DB70DBA9567}" type="datetimeFigureOut">
               <a:rPr lang="en-US" smtClean="0"/>
               <a:pPr/>
-              <a:t>12/20/2019</a:t>
+              <a:t>3/18/2020</a:t>
             </a:fld>
             <a:endParaRPr lang="en-US" dirty="0"/>
           </a:p>
@@ -7487,7 +7487,7 @@
             <a:fld id="{B61BEF0D-F0BB-DE4B-95CE-6DB70DBA9567}" type="datetimeFigureOut">
               <a:rPr lang="en-US" smtClean="0"/>
               <a:pPr/>
-              <a:t>12/20/2019</a:t>
+              <a:t>3/18/2020</a:t>
             </a:fld>
             <a:endParaRPr lang="en-US" dirty="0"/>
           </a:p>
@@ -8572,7 +8572,7 @@
             <a:fld id="{B61BEF0D-F0BB-DE4B-95CE-6DB70DBA9567}" type="datetimeFigureOut">
               <a:rPr lang="en-US" smtClean="0"/>
               <a:pPr/>
-              <a:t>12/20/2019</a:t>
+              <a:t>3/18/2020</a:t>
             </a:fld>
             <a:endParaRPr lang="en-US" dirty="0"/>
           </a:p>
@@ -9567,7 +9567,7 @@
             <a:r>
               <a:rPr lang="es-ES" sz="3600" dirty="0">
                 <a:solidFill>
-                  <a:schemeClr val="bg1"/>
+                  <a:srgbClr val="00B0F0"/>
                 </a:solidFill>
                 <a:latin typeface="Calibri" panose="020F0502020204030204" pitchFamily="34" charset="0"/>
                 <a:cs typeface="Calibri" panose="020F0502020204030204" pitchFamily="34" charset="0"/>
@@ -9596,7 +9596,7 @@
         <p:spPr>
           <a:xfrm>
             <a:off x="343092" y="2718481"/>
-            <a:ext cx="3973943" cy="3440110"/>
+            <a:ext cx="4329463" cy="3440110"/>
           </a:xfrm>
         </p:spPr>
         <p:txBody>
@@ -10029,12 +10029,12 @@
             <a:r>
               <a:rPr lang="es-ES" sz="3600" dirty="0">
                 <a:solidFill>
-                  <a:schemeClr val="bg1"/>
+                  <a:srgbClr val="00B0F0"/>
                 </a:solidFill>
                 <a:latin typeface="Calibri" panose="020F0502020204030204" pitchFamily="34" charset="0"/>
                 <a:cs typeface="Calibri" panose="020F0502020204030204" pitchFamily="34" charset="0"/>
               </a:rPr>
-              <a:t>¿Y en el caso multivariante?</a:t>
+              <a:t>¿Qué vemos?</a:t>
             </a:r>
           </a:p>
         </p:txBody>
@@ -10058,7 +10058,7 @@
         <p:spPr>
           <a:xfrm>
             <a:off x="343092" y="2718481"/>
-            <a:ext cx="3973943" cy="3440110"/>
+            <a:ext cx="3994016" cy="3440110"/>
           </a:xfrm>
         </p:spPr>
         <p:txBody>
@@ -11813,7 +11813,23 @@
                   <a:srgbClr val="FFC000"/>
                 </a:solidFill>
               </a:rPr>
-              <a:t>Las profundidades son estimadores de distancia con el sentido opuesto, es decir, un punto es más profundo con respecto al centro, si tiene menos distancia hacia ese centro.</a:t>
+              <a:t>Las profundidades son estimadores de distancia con el sentido opuesto, es decir:</a:t>
+            </a:r>
+          </a:p>
+          <a:p>
+            <a:pPr marL="457200" lvl="1" indent="0">
+              <a:lnSpc>
+                <a:spcPct val="90000"/>
+              </a:lnSpc>
+              <a:buNone/>
+            </a:pPr>
+            <a:r>
+              <a:rPr lang="es-ES" dirty="0">
+                <a:solidFill>
+                  <a:srgbClr val="92D050"/>
+                </a:solidFill>
+              </a:rPr>
+              <a:t>Un punto es más profundo con respecto al centro, si tiene menos distancia hacia ese centro.</a:t>
             </a:r>
           </a:p>
         </p:txBody>
@@ -12471,7 +12487,7 @@
             <p:spPr>
               <a:xfrm>
                 <a:off x="1286933" y="1785381"/>
-                <a:ext cx="8596668" cy="3880773"/>
+                <a:ext cx="9358696" cy="3880773"/>
               </a:xfrm>
             </p:spPr>
             <p:txBody>
@@ -12484,7 +12500,23 @@
                       <a:schemeClr val="bg1"/>
                     </a:solidFill>
                   </a:rPr>
-                  <a:t>Para una variable aleatoria univariante </a:t>
+                  <a:t>Para una variable aleatoria </a:t>
+                </a:r>
+                <a:r>
+                  <a:rPr lang="es-ES" dirty="0">
+                    <a:solidFill>
+                      <a:srgbClr val="92D050"/>
+                    </a:solidFill>
+                  </a:rPr>
+                  <a:t>univariante</a:t>
+                </a:r>
+                <a:r>
+                  <a:rPr lang="es-ES" dirty="0">
+                    <a:solidFill>
+                      <a:schemeClr val="bg1"/>
+                    </a:solidFill>
+                  </a:rPr>
+                  <a:t> </a:t>
                 </a:r>
                 <a14:m>
                   <m:oMath xmlns:m="http://schemas.openxmlformats.org/officeDocument/2006/math">
@@ -12607,7 +12639,23 @@
                       <a:schemeClr val="bg1"/>
                     </a:solidFill>
                   </a:rPr>
-                  <a:t>, los estadísticos de orden denotados como </a:t>
+                  <a:t>, los </a:t>
+                </a:r>
+                <a:r>
+                  <a:rPr lang="es-ES" dirty="0">
+                    <a:solidFill>
+                      <a:srgbClr val="FFC000"/>
+                    </a:solidFill>
+                  </a:rPr>
+                  <a:t>estadísticos de orden </a:t>
+                </a:r>
+                <a:r>
+                  <a:rPr lang="es-ES" dirty="0">
+                    <a:solidFill>
+                      <a:schemeClr val="bg1"/>
+                    </a:solidFill>
+                  </a:rPr>
+                  <a:t>denotados como </a:t>
                 </a:r>
                 <a14:m>
                   <m:oMath xmlns:m="http://schemas.openxmlformats.org/officeDocument/2006/math">
@@ -13157,12 +13205,12 @@
             <p:spPr>
               <a:xfrm>
                 <a:off x="1286933" y="1785381"/>
-                <a:ext cx="8596668" cy="3880773"/>
+                <a:ext cx="9358696" cy="3880773"/>
               </a:xfrm>
               <a:blipFill>
                 <a:blip r:embed="rId2"/>
                 <a:stretch>
-                  <a:fillRect l="-142" t="-1101"/>
+                  <a:fillRect l="-130" t="-1101"/>
                 </a:stretch>
               </a:blipFill>
             </p:spPr>
@@ -13437,8 +13485,8 @@
           </a:fontRef>
         </p:style>
       </p:sp>
-      <mc:AlternateContent xmlns:mc="http://schemas.openxmlformats.org/markup-compatibility/2006" xmlns:a14="http://schemas.microsoft.com/office/drawing/2010/main">
-        <mc:Choice Requires="a14">
+      <mc:AlternateContent xmlns:mc="http://schemas.openxmlformats.org/markup-compatibility/2006">
+        <mc:Choice xmlns:a14="http://schemas.microsoft.com/office/drawing/2010/main" Requires="a14">
           <p:sp>
             <p:nvSpPr>
               <p:cNvPr id="3" name="Marcador de contenido 2">
@@ -13458,7 +13506,7 @@
             <p:spPr>
               <a:xfrm>
                 <a:off x="1286933" y="1785381"/>
-                <a:ext cx="8596668" cy="3880773"/>
+                <a:ext cx="9694256" cy="3880773"/>
               </a:xfrm>
             </p:spPr>
             <p:txBody>
@@ -13596,7 +13644,39 @@
                       <a:schemeClr val="bg1"/>
                     </a:solidFill>
                   </a:rPr>
-                  <a:t> porque la mediana es el valor que divide al conjunto de datos ordenados en dos partes de igual tamaño.</a:t>
+                  <a:t> porque la </a:t>
+                </a:r>
+                <a:r>
+                  <a:rPr lang="es-ES" dirty="0">
+                    <a:solidFill>
+                      <a:srgbClr val="92D050"/>
+                    </a:solidFill>
+                  </a:rPr>
+                  <a:t>mediana</a:t>
+                </a:r>
+                <a:r>
+                  <a:rPr lang="es-ES" dirty="0">
+                    <a:solidFill>
+                      <a:schemeClr val="bg1"/>
+                    </a:solidFill>
+                  </a:rPr>
+                  <a:t> es el valor que divide al conjunto de datos </a:t>
+                </a:r>
+                <a:r>
+                  <a:rPr lang="es-ES" dirty="0">
+                    <a:solidFill>
+                      <a:srgbClr val="FFC000"/>
+                    </a:solidFill>
+                  </a:rPr>
+                  <a:t>ordenados</a:t>
+                </a:r>
+                <a:r>
+                  <a:rPr lang="es-ES" dirty="0">
+                    <a:solidFill>
+                      <a:schemeClr val="bg1"/>
+                    </a:solidFill>
+                  </a:rPr>
+                  <a:t> en dos partes de igual tamaño.</a:t>
                 </a:r>
               </a:p>
               <a:p>
@@ -14139,7 +14219,7 @@
             </p:txBody>
           </p:sp>
         </mc:Choice>
-        <mc:Fallback xmlns="">
+        <mc:Fallback>
           <p:sp>
             <p:nvSpPr>
               <p:cNvPr id="3" name="Marcador de contenido 2">
@@ -14159,12 +14239,12 @@
             <p:spPr>
               <a:xfrm>
                 <a:off x="1286933" y="1785381"/>
-                <a:ext cx="8596668" cy="3880773"/>
+                <a:ext cx="9694256" cy="3880773"/>
               </a:xfrm>
               <a:blipFill>
                 <a:blip r:embed="rId2"/>
                 <a:stretch>
-                  <a:fillRect l="-142" t="-1101"/>
+                  <a:fillRect l="-126" t="-1101"/>
                 </a:stretch>
               </a:blipFill>
             </p:spPr>
@@ -17203,7 +17283,7 @@
             <p:spPr>
               <a:xfrm>
                 <a:off x="3846889" y="609602"/>
-                <a:ext cx="5424112" cy="3208334"/>
+                <a:ext cx="5867562" cy="3208334"/>
               </a:xfrm>
             </p:spPr>
             <p:txBody>
@@ -17388,7 +17468,15 @@
                       <a:schemeClr val="bg1"/>
                     </a:solidFill>
                   </a:rPr>
-                  <a:t>Se detectan los atípicos con las barreras y se denotan con un símbolo especial, por ejemplo: □</a:t>
+                  <a:t>Se detectan los atípicos con las barreras y se denotan con un símbolo especial, por ejemplo: </a:t>
+                </a:r>
+                <a:r>
+                  <a:rPr lang="es-ES" sz="1800" b="1" dirty="0">
+                    <a:solidFill>
+                      <a:srgbClr val="FF0000"/>
+                    </a:solidFill>
+                  </a:rPr>
+                  <a:t>□</a:t>
                 </a:r>
               </a:p>
               <a:p>
@@ -17452,12 +17540,12 @@
             <p:spPr>
               <a:xfrm>
                 <a:off x="3846889" y="609602"/>
-                <a:ext cx="5424112" cy="3208334"/>
+                <a:ext cx="5867562" cy="3208334"/>
               </a:xfrm>
               <a:blipFill>
                 <a:blip r:embed="rId2"/>
                 <a:stretch>
-                  <a:fillRect l="-225" t="-1901" r="-899"/>
+                  <a:fillRect l="-208" t="-1901"/>
                 </a:stretch>
               </a:blipFill>
             </p:spPr>
@@ -17759,7 +17847,7 @@
             <a:r>
               <a:rPr lang="es-ES" sz="3600" dirty="0">
                 <a:solidFill>
-                  <a:schemeClr val="bg1"/>
+                  <a:srgbClr val="00B0F0"/>
                 </a:solidFill>
                 <a:latin typeface="Calibri" panose="020F0502020204030204" pitchFamily="34" charset="0"/>
                 <a:cs typeface="Calibri" panose="020F0502020204030204" pitchFamily="34" charset="0"/>
@@ -17788,7 +17876,7 @@
         <p:spPr>
           <a:xfrm>
             <a:off x="343092" y="2718481"/>
-            <a:ext cx="3973943" cy="3440110"/>
+            <a:ext cx="4329462" cy="3440110"/>
           </a:xfrm>
         </p:spPr>
         <p:txBody>
